--- a/ppt 16-9/1446.拆毁与建造.pptx
+++ b/ppt 16-9/1446.拆毁与建造.pptx
@@ -129,7 +129,7 @@
           <p:cNvPr id="2" name="标题 1">
             <a:extLst>
               <a:ext uri="{FF2B5EF4-FFF2-40B4-BE49-F238E27FC236}">
-                <a16:creationId xmlns:a16="http://schemas.microsoft.com/office/drawing/2014/main" id="{03761EC6-4F8B-A234-F5EA-F05F45973399}"/>
+                <a16:creationId xmlns:a16="http://schemas.microsoft.com/office/drawing/2014/main" id="{0E7505A4-4D24-6F8E-870D-BAFE60967A46}"/>
               </a:ext>
             </a:extLst>
           </p:cNvPr>
@@ -166,7 +166,7 @@
           <p:cNvPr id="3" name="副标题 2">
             <a:extLst>
               <a:ext uri="{FF2B5EF4-FFF2-40B4-BE49-F238E27FC236}">
-                <a16:creationId xmlns:a16="http://schemas.microsoft.com/office/drawing/2014/main" id="{04F13AC2-4B76-5FFE-B0D3-6D618E68104C}"/>
+                <a16:creationId xmlns:a16="http://schemas.microsoft.com/office/drawing/2014/main" id="{E9D2EE21-9308-632C-A919-62CC93CF5743}"/>
               </a:ext>
             </a:extLst>
           </p:cNvPr>
@@ -236,7 +236,7 @@
           <p:cNvPr id="4" name="日期占位符 3">
             <a:extLst>
               <a:ext uri="{FF2B5EF4-FFF2-40B4-BE49-F238E27FC236}">
-                <a16:creationId xmlns:a16="http://schemas.microsoft.com/office/drawing/2014/main" id="{59F2EF01-A73F-81E7-24EA-3E6FD1F8C5D7}"/>
+                <a16:creationId xmlns:a16="http://schemas.microsoft.com/office/drawing/2014/main" id="{651EE451-4A34-3532-C99D-91F87E40013A}"/>
               </a:ext>
             </a:extLst>
           </p:cNvPr>
@@ -252,7 +252,7 @@
           <a:bodyPr/>
           <a:lstStyle/>
           <a:p>
-            <a:fld id="{507879A7-4914-4231-902C-32557AA8EB88}" type="datetimeFigureOut">
+            <a:fld id="{DF62AF8B-C606-4CF7-8E15-096442C1F211}" type="datetimeFigureOut">
               <a:rPr lang="zh-CN" altLang="en-US" smtClean="0"/>
               <a:t>2024/3/10</a:t>
             </a:fld>
@@ -265,7 +265,7 @@
           <p:cNvPr id="5" name="页脚占位符 4">
             <a:extLst>
               <a:ext uri="{FF2B5EF4-FFF2-40B4-BE49-F238E27FC236}">
-                <a16:creationId xmlns:a16="http://schemas.microsoft.com/office/drawing/2014/main" id="{7C69B745-CC1C-C6DB-D543-7C78D4539D04}"/>
+                <a16:creationId xmlns:a16="http://schemas.microsoft.com/office/drawing/2014/main" id="{3FB891A7-A8D8-C266-345E-EAFD5830C7B9}"/>
               </a:ext>
             </a:extLst>
           </p:cNvPr>
@@ -290,7 +290,7 @@
           <p:cNvPr id="6" name="灯片编号占位符 5">
             <a:extLst>
               <a:ext uri="{FF2B5EF4-FFF2-40B4-BE49-F238E27FC236}">
-                <a16:creationId xmlns:a16="http://schemas.microsoft.com/office/drawing/2014/main" id="{C215F9DE-CCDB-DC9B-1233-85AEA3897AF3}"/>
+                <a16:creationId xmlns:a16="http://schemas.microsoft.com/office/drawing/2014/main" id="{C47457ED-C990-DD3D-FAB7-409A29EC3EAC}"/>
               </a:ext>
             </a:extLst>
           </p:cNvPr>
@@ -306,7 +306,7 @@
           <a:bodyPr/>
           <a:lstStyle/>
           <a:p>
-            <a:fld id="{05CEC759-C9C7-4FD3-81BA-F395CA417A75}" type="slidenum">
+            <a:fld id="{F498EFBF-E617-46B4-831B-2F1C27CF5292}" type="slidenum">
               <a:rPr lang="zh-CN" altLang="en-US" smtClean="0"/>
               <a:t>‹#›</a:t>
             </a:fld>
@@ -317,7 +317,7 @@
     </p:spTree>
     <p:extLst>
       <p:ext uri="{BB962C8B-B14F-4D97-AF65-F5344CB8AC3E}">
-        <p14:creationId xmlns:p14="http://schemas.microsoft.com/office/powerpoint/2010/main" val="1225315405"/>
+        <p14:creationId xmlns:p14="http://schemas.microsoft.com/office/powerpoint/2010/main" val="1748345136"/>
       </p:ext>
     </p:extLst>
   </p:cSld>
@@ -349,7 +349,7 @@
           <p:cNvPr id="2" name="标题 1">
             <a:extLst>
               <a:ext uri="{FF2B5EF4-FFF2-40B4-BE49-F238E27FC236}">
-                <a16:creationId xmlns:a16="http://schemas.microsoft.com/office/drawing/2014/main" id="{3AF67338-C58E-24AC-04E3-42471E763E8E}"/>
+                <a16:creationId xmlns:a16="http://schemas.microsoft.com/office/drawing/2014/main" id="{3E334CCB-BF0C-B1A7-B4E9-831205367DA4}"/>
               </a:ext>
             </a:extLst>
           </p:cNvPr>
@@ -377,7 +377,7 @@
           <p:cNvPr id="3" name="竖排文字占位符 2">
             <a:extLst>
               <a:ext uri="{FF2B5EF4-FFF2-40B4-BE49-F238E27FC236}">
-                <a16:creationId xmlns:a16="http://schemas.microsoft.com/office/drawing/2014/main" id="{FDEBBC25-22D9-F06D-5C65-B683E2C97741}"/>
+                <a16:creationId xmlns:a16="http://schemas.microsoft.com/office/drawing/2014/main" id="{F516E8B1-2C0B-3B20-2489-16A5E5DD47B5}"/>
               </a:ext>
             </a:extLst>
           </p:cNvPr>
@@ -434,7 +434,7 @@
           <p:cNvPr id="4" name="日期占位符 3">
             <a:extLst>
               <a:ext uri="{FF2B5EF4-FFF2-40B4-BE49-F238E27FC236}">
-                <a16:creationId xmlns:a16="http://schemas.microsoft.com/office/drawing/2014/main" id="{C8B62E98-7A22-A9C5-FE86-7366E6307ABA}"/>
+                <a16:creationId xmlns:a16="http://schemas.microsoft.com/office/drawing/2014/main" id="{51F8C35D-7426-0A64-0AD6-40095307D80C}"/>
               </a:ext>
             </a:extLst>
           </p:cNvPr>
@@ -450,7 +450,7 @@
           <a:bodyPr/>
           <a:lstStyle/>
           <a:p>
-            <a:fld id="{507879A7-4914-4231-902C-32557AA8EB88}" type="datetimeFigureOut">
+            <a:fld id="{DF62AF8B-C606-4CF7-8E15-096442C1F211}" type="datetimeFigureOut">
               <a:rPr lang="zh-CN" altLang="en-US" smtClean="0"/>
               <a:t>2024/3/10</a:t>
             </a:fld>
@@ -463,7 +463,7 @@
           <p:cNvPr id="5" name="页脚占位符 4">
             <a:extLst>
               <a:ext uri="{FF2B5EF4-FFF2-40B4-BE49-F238E27FC236}">
-                <a16:creationId xmlns:a16="http://schemas.microsoft.com/office/drawing/2014/main" id="{2D7A3783-B8E2-49F4-9513-01FDFEFB02CF}"/>
+                <a16:creationId xmlns:a16="http://schemas.microsoft.com/office/drawing/2014/main" id="{965DF666-294E-F23D-767F-F940B57497A7}"/>
               </a:ext>
             </a:extLst>
           </p:cNvPr>
@@ -488,7 +488,7 @@
           <p:cNvPr id="6" name="灯片编号占位符 5">
             <a:extLst>
               <a:ext uri="{FF2B5EF4-FFF2-40B4-BE49-F238E27FC236}">
-                <a16:creationId xmlns:a16="http://schemas.microsoft.com/office/drawing/2014/main" id="{8F5288A1-7B40-416F-AD6D-EB874D9B4B64}"/>
+                <a16:creationId xmlns:a16="http://schemas.microsoft.com/office/drawing/2014/main" id="{1A59D32A-90D0-2DCF-DBD5-27A615FDD811}"/>
               </a:ext>
             </a:extLst>
           </p:cNvPr>
@@ -504,7 +504,7 @@
           <a:bodyPr/>
           <a:lstStyle/>
           <a:p>
-            <a:fld id="{05CEC759-C9C7-4FD3-81BA-F395CA417A75}" type="slidenum">
+            <a:fld id="{F498EFBF-E617-46B4-831B-2F1C27CF5292}" type="slidenum">
               <a:rPr lang="zh-CN" altLang="en-US" smtClean="0"/>
               <a:t>‹#›</a:t>
             </a:fld>
@@ -515,7 +515,7 @@
     </p:spTree>
     <p:extLst>
       <p:ext uri="{BB962C8B-B14F-4D97-AF65-F5344CB8AC3E}">
-        <p14:creationId xmlns:p14="http://schemas.microsoft.com/office/powerpoint/2010/main" val="4017458655"/>
+        <p14:creationId xmlns:p14="http://schemas.microsoft.com/office/powerpoint/2010/main" val="249828618"/>
       </p:ext>
     </p:extLst>
   </p:cSld>
@@ -547,7 +547,7 @@
           <p:cNvPr id="2" name="竖排标题 1">
             <a:extLst>
               <a:ext uri="{FF2B5EF4-FFF2-40B4-BE49-F238E27FC236}">
-                <a16:creationId xmlns:a16="http://schemas.microsoft.com/office/drawing/2014/main" id="{9A40D1A3-AB37-C12F-A5CC-AE5E1EBAEEDD}"/>
+                <a16:creationId xmlns:a16="http://schemas.microsoft.com/office/drawing/2014/main" id="{AE2536C7-C41E-FB61-A55C-104B5067AA36}"/>
               </a:ext>
             </a:extLst>
           </p:cNvPr>
@@ -580,7 +580,7 @@
           <p:cNvPr id="3" name="竖排文字占位符 2">
             <a:extLst>
               <a:ext uri="{FF2B5EF4-FFF2-40B4-BE49-F238E27FC236}">
-                <a16:creationId xmlns:a16="http://schemas.microsoft.com/office/drawing/2014/main" id="{B64D44F9-1152-3169-D0B7-3A62C2F20312}"/>
+                <a16:creationId xmlns:a16="http://schemas.microsoft.com/office/drawing/2014/main" id="{81CD5734-4FC2-4CB8-5B82-BA89972518AB}"/>
               </a:ext>
             </a:extLst>
           </p:cNvPr>
@@ -642,7 +642,7 @@
           <p:cNvPr id="4" name="日期占位符 3">
             <a:extLst>
               <a:ext uri="{FF2B5EF4-FFF2-40B4-BE49-F238E27FC236}">
-                <a16:creationId xmlns:a16="http://schemas.microsoft.com/office/drawing/2014/main" id="{8E0700CB-4773-1D2D-FC02-A2DBA9386C8E}"/>
+                <a16:creationId xmlns:a16="http://schemas.microsoft.com/office/drawing/2014/main" id="{9E599E4A-2003-77DB-8E36-765C2DA29F81}"/>
               </a:ext>
             </a:extLst>
           </p:cNvPr>
@@ -658,7 +658,7 @@
           <a:bodyPr/>
           <a:lstStyle/>
           <a:p>
-            <a:fld id="{507879A7-4914-4231-902C-32557AA8EB88}" type="datetimeFigureOut">
+            <a:fld id="{DF62AF8B-C606-4CF7-8E15-096442C1F211}" type="datetimeFigureOut">
               <a:rPr lang="zh-CN" altLang="en-US" smtClean="0"/>
               <a:t>2024/3/10</a:t>
             </a:fld>
@@ -671,7 +671,7 @@
           <p:cNvPr id="5" name="页脚占位符 4">
             <a:extLst>
               <a:ext uri="{FF2B5EF4-FFF2-40B4-BE49-F238E27FC236}">
-                <a16:creationId xmlns:a16="http://schemas.microsoft.com/office/drawing/2014/main" id="{0F9D95BB-9FDA-9E28-7730-B3C85EEBA948}"/>
+                <a16:creationId xmlns:a16="http://schemas.microsoft.com/office/drawing/2014/main" id="{D4E771EA-8893-754D-2246-17A18E80FBE9}"/>
               </a:ext>
             </a:extLst>
           </p:cNvPr>
@@ -696,7 +696,7 @@
           <p:cNvPr id="6" name="灯片编号占位符 5">
             <a:extLst>
               <a:ext uri="{FF2B5EF4-FFF2-40B4-BE49-F238E27FC236}">
-                <a16:creationId xmlns:a16="http://schemas.microsoft.com/office/drawing/2014/main" id="{955392B6-5644-35E3-981A-D5F811A539C4}"/>
+                <a16:creationId xmlns:a16="http://schemas.microsoft.com/office/drawing/2014/main" id="{A0773DAE-4484-F68D-73FC-A81BF012C33B}"/>
               </a:ext>
             </a:extLst>
           </p:cNvPr>
@@ -712,7 +712,7 @@
           <a:bodyPr/>
           <a:lstStyle/>
           <a:p>
-            <a:fld id="{05CEC759-C9C7-4FD3-81BA-F395CA417A75}" type="slidenum">
+            <a:fld id="{F498EFBF-E617-46B4-831B-2F1C27CF5292}" type="slidenum">
               <a:rPr lang="zh-CN" altLang="en-US" smtClean="0"/>
               <a:t>‹#›</a:t>
             </a:fld>
@@ -723,7 +723,7 @@
     </p:spTree>
     <p:extLst>
       <p:ext uri="{BB962C8B-B14F-4D97-AF65-F5344CB8AC3E}">
-        <p14:creationId xmlns:p14="http://schemas.microsoft.com/office/powerpoint/2010/main" val="289966225"/>
+        <p14:creationId xmlns:p14="http://schemas.microsoft.com/office/powerpoint/2010/main" val="3660356460"/>
       </p:ext>
     </p:extLst>
   </p:cSld>
@@ -755,7 +755,7 @@
           <p:cNvPr id="2" name="标题 1">
             <a:extLst>
               <a:ext uri="{FF2B5EF4-FFF2-40B4-BE49-F238E27FC236}">
-                <a16:creationId xmlns:a16="http://schemas.microsoft.com/office/drawing/2014/main" id="{56FF0806-124D-4EAE-0038-4B8C8B20AE58}"/>
+                <a16:creationId xmlns:a16="http://schemas.microsoft.com/office/drawing/2014/main" id="{21FC4D97-D1AB-BF17-400A-1A484BDFF4DE}"/>
               </a:ext>
             </a:extLst>
           </p:cNvPr>
@@ -783,7 +783,7 @@
           <p:cNvPr id="3" name="内容占位符 2">
             <a:extLst>
               <a:ext uri="{FF2B5EF4-FFF2-40B4-BE49-F238E27FC236}">
-                <a16:creationId xmlns:a16="http://schemas.microsoft.com/office/drawing/2014/main" id="{9A0CC139-9ADC-2ECF-C951-9A6562116412}"/>
+                <a16:creationId xmlns:a16="http://schemas.microsoft.com/office/drawing/2014/main" id="{E9919656-2980-2214-4E70-FA987EDF1359}"/>
               </a:ext>
             </a:extLst>
           </p:cNvPr>
@@ -840,7 +840,7 @@
           <p:cNvPr id="4" name="日期占位符 3">
             <a:extLst>
               <a:ext uri="{FF2B5EF4-FFF2-40B4-BE49-F238E27FC236}">
-                <a16:creationId xmlns:a16="http://schemas.microsoft.com/office/drawing/2014/main" id="{322583BA-A4B9-DE53-7E85-6777B7B44196}"/>
+                <a16:creationId xmlns:a16="http://schemas.microsoft.com/office/drawing/2014/main" id="{84E9F338-0736-450B-B073-E7926F6D93BD}"/>
               </a:ext>
             </a:extLst>
           </p:cNvPr>
@@ -856,7 +856,7 @@
           <a:bodyPr/>
           <a:lstStyle/>
           <a:p>
-            <a:fld id="{507879A7-4914-4231-902C-32557AA8EB88}" type="datetimeFigureOut">
+            <a:fld id="{DF62AF8B-C606-4CF7-8E15-096442C1F211}" type="datetimeFigureOut">
               <a:rPr lang="zh-CN" altLang="en-US" smtClean="0"/>
               <a:t>2024/3/10</a:t>
             </a:fld>
@@ -869,7 +869,7 @@
           <p:cNvPr id="5" name="页脚占位符 4">
             <a:extLst>
               <a:ext uri="{FF2B5EF4-FFF2-40B4-BE49-F238E27FC236}">
-                <a16:creationId xmlns:a16="http://schemas.microsoft.com/office/drawing/2014/main" id="{3861EE06-3E8D-4D97-4AD9-F557C1D100BE}"/>
+                <a16:creationId xmlns:a16="http://schemas.microsoft.com/office/drawing/2014/main" id="{24A40F1B-B401-7DB0-BF76-8E4422478325}"/>
               </a:ext>
             </a:extLst>
           </p:cNvPr>
@@ -894,7 +894,7 @@
           <p:cNvPr id="6" name="灯片编号占位符 5">
             <a:extLst>
               <a:ext uri="{FF2B5EF4-FFF2-40B4-BE49-F238E27FC236}">
-                <a16:creationId xmlns:a16="http://schemas.microsoft.com/office/drawing/2014/main" id="{67643556-2E90-346D-F370-DE012D2C94D8}"/>
+                <a16:creationId xmlns:a16="http://schemas.microsoft.com/office/drawing/2014/main" id="{52ED3BF1-3E55-2864-B291-6F91033CD05B}"/>
               </a:ext>
             </a:extLst>
           </p:cNvPr>
@@ -910,7 +910,7 @@
           <a:bodyPr/>
           <a:lstStyle/>
           <a:p>
-            <a:fld id="{05CEC759-C9C7-4FD3-81BA-F395CA417A75}" type="slidenum">
+            <a:fld id="{F498EFBF-E617-46B4-831B-2F1C27CF5292}" type="slidenum">
               <a:rPr lang="zh-CN" altLang="en-US" smtClean="0"/>
               <a:t>‹#›</a:t>
             </a:fld>
@@ -921,7 +921,7 @@
     </p:spTree>
     <p:extLst>
       <p:ext uri="{BB962C8B-B14F-4D97-AF65-F5344CB8AC3E}">
-        <p14:creationId xmlns:p14="http://schemas.microsoft.com/office/powerpoint/2010/main" val="1320381612"/>
+        <p14:creationId xmlns:p14="http://schemas.microsoft.com/office/powerpoint/2010/main" val="1361093283"/>
       </p:ext>
     </p:extLst>
   </p:cSld>
@@ -953,7 +953,7 @@
           <p:cNvPr id="2" name="标题 1">
             <a:extLst>
               <a:ext uri="{FF2B5EF4-FFF2-40B4-BE49-F238E27FC236}">
-                <a16:creationId xmlns:a16="http://schemas.microsoft.com/office/drawing/2014/main" id="{F8FB5B65-9199-2F7F-88E3-0744F03D3E43}"/>
+                <a16:creationId xmlns:a16="http://schemas.microsoft.com/office/drawing/2014/main" id="{7BACDC5E-162B-E357-E9D8-55E4028C893A}"/>
               </a:ext>
             </a:extLst>
           </p:cNvPr>
@@ -990,7 +990,7 @@
           <p:cNvPr id="3" name="文本占位符 2">
             <a:extLst>
               <a:ext uri="{FF2B5EF4-FFF2-40B4-BE49-F238E27FC236}">
-                <a16:creationId xmlns:a16="http://schemas.microsoft.com/office/drawing/2014/main" id="{645D21E4-1A64-E1EC-C153-2D71666C4674}"/>
+                <a16:creationId xmlns:a16="http://schemas.microsoft.com/office/drawing/2014/main" id="{14B6FF71-DE59-8B65-5A0C-3F15DEF2CBCC}"/>
               </a:ext>
             </a:extLst>
           </p:cNvPr>
@@ -1115,7 +1115,7 @@
           <p:cNvPr id="4" name="日期占位符 3">
             <a:extLst>
               <a:ext uri="{FF2B5EF4-FFF2-40B4-BE49-F238E27FC236}">
-                <a16:creationId xmlns:a16="http://schemas.microsoft.com/office/drawing/2014/main" id="{9410F395-A031-45E9-357A-C38C9D587A71}"/>
+                <a16:creationId xmlns:a16="http://schemas.microsoft.com/office/drawing/2014/main" id="{536F2ACB-BAC1-AEAE-428B-880098D4185B}"/>
               </a:ext>
             </a:extLst>
           </p:cNvPr>
@@ -1131,7 +1131,7 @@
           <a:bodyPr/>
           <a:lstStyle/>
           <a:p>
-            <a:fld id="{507879A7-4914-4231-902C-32557AA8EB88}" type="datetimeFigureOut">
+            <a:fld id="{DF62AF8B-C606-4CF7-8E15-096442C1F211}" type="datetimeFigureOut">
               <a:rPr lang="zh-CN" altLang="en-US" smtClean="0"/>
               <a:t>2024/3/10</a:t>
             </a:fld>
@@ -1144,7 +1144,7 @@
           <p:cNvPr id="5" name="页脚占位符 4">
             <a:extLst>
               <a:ext uri="{FF2B5EF4-FFF2-40B4-BE49-F238E27FC236}">
-                <a16:creationId xmlns:a16="http://schemas.microsoft.com/office/drawing/2014/main" id="{4ABD2D8C-C366-9B2B-80D7-F5EA5D708FF2}"/>
+                <a16:creationId xmlns:a16="http://schemas.microsoft.com/office/drawing/2014/main" id="{BAAED2F6-FAEA-1B29-5992-970F83FAA2E1}"/>
               </a:ext>
             </a:extLst>
           </p:cNvPr>
@@ -1169,7 +1169,7 @@
           <p:cNvPr id="6" name="灯片编号占位符 5">
             <a:extLst>
               <a:ext uri="{FF2B5EF4-FFF2-40B4-BE49-F238E27FC236}">
-                <a16:creationId xmlns:a16="http://schemas.microsoft.com/office/drawing/2014/main" id="{F21BECF0-7135-455C-6726-13713EEAC8BB}"/>
+                <a16:creationId xmlns:a16="http://schemas.microsoft.com/office/drawing/2014/main" id="{1EFA114B-2B62-A2AC-9660-E77CAE6DD028}"/>
               </a:ext>
             </a:extLst>
           </p:cNvPr>
@@ -1185,7 +1185,7 @@
           <a:bodyPr/>
           <a:lstStyle/>
           <a:p>
-            <a:fld id="{05CEC759-C9C7-4FD3-81BA-F395CA417A75}" type="slidenum">
+            <a:fld id="{F498EFBF-E617-46B4-831B-2F1C27CF5292}" type="slidenum">
               <a:rPr lang="zh-CN" altLang="en-US" smtClean="0"/>
               <a:t>‹#›</a:t>
             </a:fld>
@@ -1196,7 +1196,7 @@
     </p:spTree>
     <p:extLst>
       <p:ext uri="{BB962C8B-B14F-4D97-AF65-F5344CB8AC3E}">
-        <p14:creationId xmlns:p14="http://schemas.microsoft.com/office/powerpoint/2010/main" val="1828807658"/>
+        <p14:creationId xmlns:p14="http://schemas.microsoft.com/office/powerpoint/2010/main" val="2557475405"/>
       </p:ext>
     </p:extLst>
   </p:cSld>
@@ -1228,7 +1228,7 @@
           <p:cNvPr id="2" name="标题 1">
             <a:extLst>
               <a:ext uri="{FF2B5EF4-FFF2-40B4-BE49-F238E27FC236}">
-                <a16:creationId xmlns:a16="http://schemas.microsoft.com/office/drawing/2014/main" id="{509B3FD3-C4FD-EB4A-314E-58646A25EE0A}"/>
+                <a16:creationId xmlns:a16="http://schemas.microsoft.com/office/drawing/2014/main" id="{55F59AEC-1E6D-D269-67E5-057CC1C8A62B}"/>
               </a:ext>
             </a:extLst>
           </p:cNvPr>
@@ -1256,7 +1256,7 @@
           <p:cNvPr id="3" name="内容占位符 2">
             <a:extLst>
               <a:ext uri="{FF2B5EF4-FFF2-40B4-BE49-F238E27FC236}">
-                <a16:creationId xmlns:a16="http://schemas.microsoft.com/office/drawing/2014/main" id="{6F84198B-450F-2202-FC27-BB81B77EC3D3}"/>
+                <a16:creationId xmlns:a16="http://schemas.microsoft.com/office/drawing/2014/main" id="{DC432AE5-E431-9510-9440-FCA1C9C407FB}"/>
               </a:ext>
             </a:extLst>
           </p:cNvPr>
@@ -1318,7 +1318,7 @@
           <p:cNvPr id="4" name="内容占位符 3">
             <a:extLst>
               <a:ext uri="{FF2B5EF4-FFF2-40B4-BE49-F238E27FC236}">
-                <a16:creationId xmlns:a16="http://schemas.microsoft.com/office/drawing/2014/main" id="{90D0F359-6F76-AEC2-8AC0-48F8DF5581DB}"/>
+                <a16:creationId xmlns:a16="http://schemas.microsoft.com/office/drawing/2014/main" id="{65A09430-2D00-7A37-6979-942FDBB7970F}"/>
               </a:ext>
             </a:extLst>
           </p:cNvPr>
@@ -1380,7 +1380,7 @@
           <p:cNvPr id="5" name="日期占位符 4">
             <a:extLst>
               <a:ext uri="{FF2B5EF4-FFF2-40B4-BE49-F238E27FC236}">
-                <a16:creationId xmlns:a16="http://schemas.microsoft.com/office/drawing/2014/main" id="{B98159C5-767A-DA3B-BE7E-EE96EFA989B6}"/>
+                <a16:creationId xmlns:a16="http://schemas.microsoft.com/office/drawing/2014/main" id="{B4F2781E-885B-DFB5-7B93-E718E470E2A6}"/>
               </a:ext>
             </a:extLst>
           </p:cNvPr>
@@ -1396,7 +1396,7 @@
           <a:bodyPr/>
           <a:lstStyle/>
           <a:p>
-            <a:fld id="{507879A7-4914-4231-902C-32557AA8EB88}" type="datetimeFigureOut">
+            <a:fld id="{DF62AF8B-C606-4CF7-8E15-096442C1F211}" type="datetimeFigureOut">
               <a:rPr lang="zh-CN" altLang="en-US" smtClean="0"/>
               <a:t>2024/3/10</a:t>
             </a:fld>
@@ -1409,7 +1409,7 @@
           <p:cNvPr id="6" name="页脚占位符 5">
             <a:extLst>
               <a:ext uri="{FF2B5EF4-FFF2-40B4-BE49-F238E27FC236}">
-                <a16:creationId xmlns:a16="http://schemas.microsoft.com/office/drawing/2014/main" id="{24C5A014-44FF-25B9-E094-CEE31476E5CB}"/>
+                <a16:creationId xmlns:a16="http://schemas.microsoft.com/office/drawing/2014/main" id="{657E3F08-4284-A8F7-184A-3D5D7E34030A}"/>
               </a:ext>
             </a:extLst>
           </p:cNvPr>
@@ -1434,7 +1434,7 @@
           <p:cNvPr id="7" name="灯片编号占位符 6">
             <a:extLst>
               <a:ext uri="{FF2B5EF4-FFF2-40B4-BE49-F238E27FC236}">
-                <a16:creationId xmlns:a16="http://schemas.microsoft.com/office/drawing/2014/main" id="{29682001-B44C-59CF-B66B-7B9CB4D09D0A}"/>
+                <a16:creationId xmlns:a16="http://schemas.microsoft.com/office/drawing/2014/main" id="{E67BE0D1-8B6B-C6D7-BBD7-A1F4F5884B5C}"/>
               </a:ext>
             </a:extLst>
           </p:cNvPr>
@@ -1450,7 +1450,7 @@
           <a:bodyPr/>
           <a:lstStyle/>
           <a:p>
-            <a:fld id="{05CEC759-C9C7-4FD3-81BA-F395CA417A75}" type="slidenum">
+            <a:fld id="{F498EFBF-E617-46B4-831B-2F1C27CF5292}" type="slidenum">
               <a:rPr lang="zh-CN" altLang="en-US" smtClean="0"/>
               <a:t>‹#›</a:t>
             </a:fld>
@@ -1461,7 +1461,7 @@
     </p:spTree>
     <p:extLst>
       <p:ext uri="{BB962C8B-B14F-4D97-AF65-F5344CB8AC3E}">
-        <p14:creationId xmlns:p14="http://schemas.microsoft.com/office/powerpoint/2010/main" val="996166017"/>
+        <p14:creationId xmlns:p14="http://schemas.microsoft.com/office/powerpoint/2010/main" val="3645823387"/>
       </p:ext>
     </p:extLst>
   </p:cSld>
@@ -1493,7 +1493,7 @@
           <p:cNvPr id="2" name="标题 1">
             <a:extLst>
               <a:ext uri="{FF2B5EF4-FFF2-40B4-BE49-F238E27FC236}">
-                <a16:creationId xmlns:a16="http://schemas.microsoft.com/office/drawing/2014/main" id="{C60F74F2-FAEE-F0AC-1C53-B09102FF82C9}"/>
+                <a16:creationId xmlns:a16="http://schemas.microsoft.com/office/drawing/2014/main" id="{9DD072E5-1CC2-BED3-12EC-F708B10A4DF3}"/>
               </a:ext>
             </a:extLst>
           </p:cNvPr>
@@ -1526,7 +1526,7 @@
           <p:cNvPr id="3" name="文本占位符 2">
             <a:extLst>
               <a:ext uri="{FF2B5EF4-FFF2-40B4-BE49-F238E27FC236}">
-                <a16:creationId xmlns:a16="http://schemas.microsoft.com/office/drawing/2014/main" id="{D09E29EC-C80B-5C0E-63A2-6A5A75F18E00}"/>
+                <a16:creationId xmlns:a16="http://schemas.microsoft.com/office/drawing/2014/main" id="{C3519202-CBBF-1242-B1B6-D8B03C7E8B6D}"/>
               </a:ext>
             </a:extLst>
           </p:cNvPr>
@@ -1597,7 +1597,7 @@
           <p:cNvPr id="4" name="内容占位符 3">
             <a:extLst>
               <a:ext uri="{FF2B5EF4-FFF2-40B4-BE49-F238E27FC236}">
-                <a16:creationId xmlns:a16="http://schemas.microsoft.com/office/drawing/2014/main" id="{B07EA38F-EDB0-22B3-A980-247DF327A98C}"/>
+                <a16:creationId xmlns:a16="http://schemas.microsoft.com/office/drawing/2014/main" id="{3C49E41B-4BA8-21F8-10B1-FB948F9162C3}"/>
               </a:ext>
             </a:extLst>
           </p:cNvPr>
@@ -1659,7 +1659,7 @@
           <p:cNvPr id="5" name="文本占位符 4">
             <a:extLst>
               <a:ext uri="{FF2B5EF4-FFF2-40B4-BE49-F238E27FC236}">
-                <a16:creationId xmlns:a16="http://schemas.microsoft.com/office/drawing/2014/main" id="{B2F7105F-49F0-5744-CFDB-3632BBCAFB53}"/>
+                <a16:creationId xmlns:a16="http://schemas.microsoft.com/office/drawing/2014/main" id="{4CEA7AAF-C266-E48B-EF7E-B2AFA6AF75AD}"/>
               </a:ext>
             </a:extLst>
           </p:cNvPr>
@@ -1730,7 +1730,7 @@
           <p:cNvPr id="6" name="内容占位符 5">
             <a:extLst>
               <a:ext uri="{FF2B5EF4-FFF2-40B4-BE49-F238E27FC236}">
-                <a16:creationId xmlns:a16="http://schemas.microsoft.com/office/drawing/2014/main" id="{4A346370-F1E9-849A-A50A-96DD170CAB44}"/>
+                <a16:creationId xmlns:a16="http://schemas.microsoft.com/office/drawing/2014/main" id="{4596D056-FEF2-77A8-A607-5014EFF39E66}"/>
               </a:ext>
             </a:extLst>
           </p:cNvPr>
@@ -1792,7 +1792,7 @@
           <p:cNvPr id="7" name="日期占位符 6">
             <a:extLst>
               <a:ext uri="{FF2B5EF4-FFF2-40B4-BE49-F238E27FC236}">
-                <a16:creationId xmlns:a16="http://schemas.microsoft.com/office/drawing/2014/main" id="{F51DEBB1-CD3F-7025-DF11-70DCA118827C}"/>
+                <a16:creationId xmlns:a16="http://schemas.microsoft.com/office/drawing/2014/main" id="{C9196D74-5527-FF21-2C68-6D995CC8F1B8}"/>
               </a:ext>
             </a:extLst>
           </p:cNvPr>
@@ -1808,7 +1808,7 @@
           <a:bodyPr/>
           <a:lstStyle/>
           <a:p>
-            <a:fld id="{507879A7-4914-4231-902C-32557AA8EB88}" type="datetimeFigureOut">
+            <a:fld id="{DF62AF8B-C606-4CF7-8E15-096442C1F211}" type="datetimeFigureOut">
               <a:rPr lang="zh-CN" altLang="en-US" smtClean="0"/>
               <a:t>2024/3/10</a:t>
             </a:fld>
@@ -1821,7 +1821,7 @@
           <p:cNvPr id="8" name="页脚占位符 7">
             <a:extLst>
               <a:ext uri="{FF2B5EF4-FFF2-40B4-BE49-F238E27FC236}">
-                <a16:creationId xmlns:a16="http://schemas.microsoft.com/office/drawing/2014/main" id="{A9C43446-9FE7-9E5E-407D-75DF352546E5}"/>
+                <a16:creationId xmlns:a16="http://schemas.microsoft.com/office/drawing/2014/main" id="{9340B9C5-5A86-20DA-3EB4-BF32D63BD269}"/>
               </a:ext>
             </a:extLst>
           </p:cNvPr>
@@ -1846,7 +1846,7 @@
           <p:cNvPr id="9" name="灯片编号占位符 8">
             <a:extLst>
               <a:ext uri="{FF2B5EF4-FFF2-40B4-BE49-F238E27FC236}">
-                <a16:creationId xmlns:a16="http://schemas.microsoft.com/office/drawing/2014/main" id="{3E71C705-0D46-82A2-FE31-76E721B1D5E8}"/>
+                <a16:creationId xmlns:a16="http://schemas.microsoft.com/office/drawing/2014/main" id="{43249049-7B71-B4DD-7FF8-40F780BD18EF}"/>
               </a:ext>
             </a:extLst>
           </p:cNvPr>
@@ -1862,7 +1862,7 @@
           <a:bodyPr/>
           <a:lstStyle/>
           <a:p>
-            <a:fld id="{05CEC759-C9C7-4FD3-81BA-F395CA417A75}" type="slidenum">
+            <a:fld id="{F498EFBF-E617-46B4-831B-2F1C27CF5292}" type="slidenum">
               <a:rPr lang="zh-CN" altLang="en-US" smtClean="0"/>
               <a:t>‹#›</a:t>
             </a:fld>
@@ -1873,7 +1873,7 @@
     </p:spTree>
     <p:extLst>
       <p:ext uri="{BB962C8B-B14F-4D97-AF65-F5344CB8AC3E}">
-        <p14:creationId xmlns:p14="http://schemas.microsoft.com/office/powerpoint/2010/main" val="563657208"/>
+        <p14:creationId xmlns:p14="http://schemas.microsoft.com/office/powerpoint/2010/main" val="2830371486"/>
       </p:ext>
     </p:extLst>
   </p:cSld>
@@ -1905,7 +1905,7 @@
           <p:cNvPr id="2" name="标题 1">
             <a:extLst>
               <a:ext uri="{FF2B5EF4-FFF2-40B4-BE49-F238E27FC236}">
-                <a16:creationId xmlns:a16="http://schemas.microsoft.com/office/drawing/2014/main" id="{E05A5811-AADA-6B22-B3C4-360CAEC64E27}"/>
+                <a16:creationId xmlns:a16="http://schemas.microsoft.com/office/drawing/2014/main" id="{C9E7F78A-264E-ED14-211A-091EDE3860E3}"/>
               </a:ext>
             </a:extLst>
           </p:cNvPr>
@@ -1933,7 +1933,7 @@
           <p:cNvPr id="3" name="日期占位符 2">
             <a:extLst>
               <a:ext uri="{FF2B5EF4-FFF2-40B4-BE49-F238E27FC236}">
-                <a16:creationId xmlns:a16="http://schemas.microsoft.com/office/drawing/2014/main" id="{B582F05C-6E47-120B-B1A5-B78CE439BC51}"/>
+                <a16:creationId xmlns:a16="http://schemas.microsoft.com/office/drawing/2014/main" id="{380EE434-F50E-7A18-586C-D39C96B8C495}"/>
               </a:ext>
             </a:extLst>
           </p:cNvPr>
@@ -1949,7 +1949,7 @@
           <a:bodyPr/>
           <a:lstStyle/>
           <a:p>
-            <a:fld id="{507879A7-4914-4231-902C-32557AA8EB88}" type="datetimeFigureOut">
+            <a:fld id="{DF62AF8B-C606-4CF7-8E15-096442C1F211}" type="datetimeFigureOut">
               <a:rPr lang="zh-CN" altLang="en-US" smtClean="0"/>
               <a:t>2024/3/10</a:t>
             </a:fld>
@@ -1962,7 +1962,7 @@
           <p:cNvPr id="4" name="页脚占位符 3">
             <a:extLst>
               <a:ext uri="{FF2B5EF4-FFF2-40B4-BE49-F238E27FC236}">
-                <a16:creationId xmlns:a16="http://schemas.microsoft.com/office/drawing/2014/main" id="{1214AC7A-A80B-15A9-ED58-09310100DEAF}"/>
+                <a16:creationId xmlns:a16="http://schemas.microsoft.com/office/drawing/2014/main" id="{29139203-D8FF-4074-11EF-7B95F8D5DFA9}"/>
               </a:ext>
             </a:extLst>
           </p:cNvPr>
@@ -1987,7 +1987,7 @@
           <p:cNvPr id="5" name="灯片编号占位符 4">
             <a:extLst>
               <a:ext uri="{FF2B5EF4-FFF2-40B4-BE49-F238E27FC236}">
-                <a16:creationId xmlns:a16="http://schemas.microsoft.com/office/drawing/2014/main" id="{47A068BA-CCC7-9416-1A7A-87DA346340BA}"/>
+                <a16:creationId xmlns:a16="http://schemas.microsoft.com/office/drawing/2014/main" id="{E328284E-7A95-BFD6-F826-4702DEFDCDC7}"/>
               </a:ext>
             </a:extLst>
           </p:cNvPr>
@@ -2003,7 +2003,7 @@
           <a:bodyPr/>
           <a:lstStyle/>
           <a:p>
-            <a:fld id="{05CEC759-C9C7-4FD3-81BA-F395CA417A75}" type="slidenum">
+            <a:fld id="{F498EFBF-E617-46B4-831B-2F1C27CF5292}" type="slidenum">
               <a:rPr lang="zh-CN" altLang="en-US" smtClean="0"/>
               <a:t>‹#›</a:t>
             </a:fld>
@@ -2014,7 +2014,7 @@
     </p:spTree>
     <p:extLst>
       <p:ext uri="{BB962C8B-B14F-4D97-AF65-F5344CB8AC3E}">
-        <p14:creationId xmlns:p14="http://schemas.microsoft.com/office/powerpoint/2010/main" val="1800344187"/>
+        <p14:creationId xmlns:p14="http://schemas.microsoft.com/office/powerpoint/2010/main" val="3156058495"/>
       </p:ext>
     </p:extLst>
   </p:cSld>
@@ -2046,7 +2046,7 @@
           <p:cNvPr id="2" name="日期占位符 1">
             <a:extLst>
               <a:ext uri="{FF2B5EF4-FFF2-40B4-BE49-F238E27FC236}">
-                <a16:creationId xmlns:a16="http://schemas.microsoft.com/office/drawing/2014/main" id="{2032C93B-A7E8-A93E-CD4E-170A4E870A74}"/>
+                <a16:creationId xmlns:a16="http://schemas.microsoft.com/office/drawing/2014/main" id="{4181DE93-A121-E0B6-1F03-3D08D8499EAF}"/>
               </a:ext>
             </a:extLst>
           </p:cNvPr>
@@ -2062,7 +2062,7 @@
           <a:bodyPr/>
           <a:lstStyle/>
           <a:p>
-            <a:fld id="{507879A7-4914-4231-902C-32557AA8EB88}" type="datetimeFigureOut">
+            <a:fld id="{DF62AF8B-C606-4CF7-8E15-096442C1F211}" type="datetimeFigureOut">
               <a:rPr lang="zh-CN" altLang="en-US" smtClean="0"/>
               <a:t>2024/3/10</a:t>
             </a:fld>
@@ -2075,7 +2075,7 @@
           <p:cNvPr id="3" name="页脚占位符 2">
             <a:extLst>
               <a:ext uri="{FF2B5EF4-FFF2-40B4-BE49-F238E27FC236}">
-                <a16:creationId xmlns:a16="http://schemas.microsoft.com/office/drawing/2014/main" id="{026E7907-AB0B-7372-EA0C-3C9289375249}"/>
+                <a16:creationId xmlns:a16="http://schemas.microsoft.com/office/drawing/2014/main" id="{94038C25-7C3D-623C-21C0-283B7891DB38}"/>
               </a:ext>
             </a:extLst>
           </p:cNvPr>
@@ -2100,7 +2100,7 @@
           <p:cNvPr id="4" name="灯片编号占位符 3">
             <a:extLst>
               <a:ext uri="{FF2B5EF4-FFF2-40B4-BE49-F238E27FC236}">
-                <a16:creationId xmlns:a16="http://schemas.microsoft.com/office/drawing/2014/main" id="{C0BD82D0-02E9-1135-3EC9-FA55CB10E170}"/>
+                <a16:creationId xmlns:a16="http://schemas.microsoft.com/office/drawing/2014/main" id="{FCC27144-0382-38DF-BC3B-2CFCC742C3DA}"/>
               </a:ext>
             </a:extLst>
           </p:cNvPr>
@@ -2116,7 +2116,7 @@
           <a:bodyPr/>
           <a:lstStyle/>
           <a:p>
-            <a:fld id="{05CEC759-C9C7-4FD3-81BA-F395CA417A75}" type="slidenum">
+            <a:fld id="{F498EFBF-E617-46B4-831B-2F1C27CF5292}" type="slidenum">
               <a:rPr lang="zh-CN" altLang="en-US" smtClean="0"/>
               <a:t>‹#›</a:t>
             </a:fld>
@@ -2127,7 +2127,7 @@
     </p:spTree>
     <p:extLst>
       <p:ext uri="{BB962C8B-B14F-4D97-AF65-F5344CB8AC3E}">
-        <p14:creationId xmlns:p14="http://schemas.microsoft.com/office/powerpoint/2010/main" val="2075645926"/>
+        <p14:creationId xmlns:p14="http://schemas.microsoft.com/office/powerpoint/2010/main" val="3313229535"/>
       </p:ext>
     </p:extLst>
   </p:cSld>
@@ -2159,7 +2159,7 @@
           <p:cNvPr id="2" name="标题 1">
             <a:extLst>
               <a:ext uri="{FF2B5EF4-FFF2-40B4-BE49-F238E27FC236}">
-                <a16:creationId xmlns:a16="http://schemas.microsoft.com/office/drawing/2014/main" id="{3BFA876D-3A12-246B-4452-E8F671AED469}"/>
+                <a16:creationId xmlns:a16="http://schemas.microsoft.com/office/drawing/2014/main" id="{30CABEC6-DA31-46DC-B57F-8E58B034691E}"/>
               </a:ext>
             </a:extLst>
           </p:cNvPr>
@@ -2196,7 +2196,7 @@
           <p:cNvPr id="3" name="内容占位符 2">
             <a:extLst>
               <a:ext uri="{FF2B5EF4-FFF2-40B4-BE49-F238E27FC236}">
-                <a16:creationId xmlns:a16="http://schemas.microsoft.com/office/drawing/2014/main" id="{637803CB-42B7-6F51-1407-2C8196F456EB}"/>
+                <a16:creationId xmlns:a16="http://schemas.microsoft.com/office/drawing/2014/main" id="{7A209EE9-E37C-8570-7352-42A47BC6EE40}"/>
               </a:ext>
             </a:extLst>
           </p:cNvPr>
@@ -2286,7 +2286,7 @@
           <p:cNvPr id="4" name="文本占位符 3">
             <a:extLst>
               <a:ext uri="{FF2B5EF4-FFF2-40B4-BE49-F238E27FC236}">
-                <a16:creationId xmlns:a16="http://schemas.microsoft.com/office/drawing/2014/main" id="{C3E26DB3-AF1C-FC70-AA28-3487EBCA4229}"/>
+                <a16:creationId xmlns:a16="http://schemas.microsoft.com/office/drawing/2014/main" id="{F3EB247A-8E30-2A19-9BD9-FA99D056C71A}"/>
               </a:ext>
             </a:extLst>
           </p:cNvPr>
@@ -2357,7 +2357,7 @@
           <p:cNvPr id="5" name="日期占位符 4">
             <a:extLst>
               <a:ext uri="{FF2B5EF4-FFF2-40B4-BE49-F238E27FC236}">
-                <a16:creationId xmlns:a16="http://schemas.microsoft.com/office/drawing/2014/main" id="{A13F5190-6017-EDFC-F702-CB1950B99A00}"/>
+                <a16:creationId xmlns:a16="http://schemas.microsoft.com/office/drawing/2014/main" id="{0D871DDF-DAB7-6BE2-BDCE-278E9889F5DC}"/>
               </a:ext>
             </a:extLst>
           </p:cNvPr>
@@ -2373,7 +2373,7 @@
           <a:bodyPr/>
           <a:lstStyle/>
           <a:p>
-            <a:fld id="{507879A7-4914-4231-902C-32557AA8EB88}" type="datetimeFigureOut">
+            <a:fld id="{DF62AF8B-C606-4CF7-8E15-096442C1F211}" type="datetimeFigureOut">
               <a:rPr lang="zh-CN" altLang="en-US" smtClean="0"/>
               <a:t>2024/3/10</a:t>
             </a:fld>
@@ -2386,7 +2386,7 @@
           <p:cNvPr id="6" name="页脚占位符 5">
             <a:extLst>
               <a:ext uri="{FF2B5EF4-FFF2-40B4-BE49-F238E27FC236}">
-                <a16:creationId xmlns:a16="http://schemas.microsoft.com/office/drawing/2014/main" id="{322E3F16-7198-C3BD-7E9E-C4F0105C9283}"/>
+                <a16:creationId xmlns:a16="http://schemas.microsoft.com/office/drawing/2014/main" id="{9357A48C-8B46-0EB2-0DDE-6489CA80228C}"/>
               </a:ext>
             </a:extLst>
           </p:cNvPr>
@@ -2411,7 +2411,7 @@
           <p:cNvPr id="7" name="灯片编号占位符 6">
             <a:extLst>
               <a:ext uri="{FF2B5EF4-FFF2-40B4-BE49-F238E27FC236}">
-                <a16:creationId xmlns:a16="http://schemas.microsoft.com/office/drawing/2014/main" id="{597FD27A-0381-9579-A8A9-0703A009BB26}"/>
+                <a16:creationId xmlns:a16="http://schemas.microsoft.com/office/drawing/2014/main" id="{0A4CDB9B-2B08-BE6F-CCE8-BA062F1A1BDC}"/>
               </a:ext>
             </a:extLst>
           </p:cNvPr>
@@ -2427,7 +2427,7 @@
           <a:bodyPr/>
           <a:lstStyle/>
           <a:p>
-            <a:fld id="{05CEC759-C9C7-4FD3-81BA-F395CA417A75}" type="slidenum">
+            <a:fld id="{F498EFBF-E617-46B4-831B-2F1C27CF5292}" type="slidenum">
               <a:rPr lang="zh-CN" altLang="en-US" smtClean="0"/>
               <a:t>‹#›</a:t>
             </a:fld>
@@ -2438,7 +2438,7 @@
     </p:spTree>
     <p:extLst>
       <p:ext uri="{BB962C8B-B14F-4D97-AF65-F5344CB8AC3E}">
-        <p14:creationId xmlns:p14="http://schemas.microsoft.com/office/powerpoint/2010/main" val="3952999873"/>
+        <p14:creationId xmlns:p14="http://schemas.microsoft.com/office/powerpoint/2010/main" val="4254717897"/>
       </p:ext>
     </p:extLst>
   </p:cSld>
@@ -2470,7 +2470,7 @@
           <p:cNvPr id="2" name="标题 1">
             <a:extLst>
               <a:ext uri="{FF2B5EF4-FFF2-40B4-BE49-F238E27FC236}">
-                <a16:creationId xmlns:a16="http://schemas.microsoft.com/office/drawing/2014/main" id="{91D060C2-90A7-56A8-6F8F-74F5B8C19AAE}"/>
+                <a16:creationId xmlns:a16="http://schemas.microsoft.com/office/drawing/2014/main" id="{8189F944-3FF3-C0B3-2966-AF03A6F9C4CD}"/>
               </a:ext>
             </a:extLst>
           </p:cNvPr>
@@ -2507,7 +2507,7 @@
           <p:cNvPr id="3" name="图片占位符 2">
             <a:extLst>
               <a:ext uri="{FF2B5EF4-FFF2-40B4-BE49-F238E27FC236}">
-                <a16:creationId xmlns:a16="http://schemas.microsoft.com/office/drawing/2014/main" id="{1B9D5915-C1F3-E4A0-AABF-2FE112A381D3}"/>
+                <a16:creationId xmlns:a16="http://schemas.microsoft.com/office/drawing/2014/main" id="{C60044F7-72AC-E2E7-2488-4994630108C6}"/>
               </a:ext>
             </a:extLst>
           </p:cNvPr>
@@ -2574,7 +2574,7 @@
           <p:cNvPr id="4" name="文本占位符 3">
             <a:extLst>
               <a:ext uri="{FF2B5EF4-FFF2-40B4-BE49-F238E27FC236}">
-                <a16:creationId xmlns:a16="http://schemas.microsoft.com/office/drawing/2014/main" id="{CE217706-7CF6-AE1C-9CBC-CE6EE043DB34}"/>
+                <a16:creationId xmlns:a16="http://schemas.microsoft.com/office/drawing/2014/main" id="{288E4327-2189-8BE7-1577-14BE20985A5F}"/>
               </a:ext>
             </a:extLst>
           </p:cNvPr>
@@ -2645,7 +2645,7 @@
           <p:cNvPr id="5" name="日期占位符 4">
             <a:extLst>
               <a:ext uri="{FF2B5EF4-FFF2-40B4-BE49-F238E27FC236}">
-                <a16:creationId xmlns:a16="http://schemas.microsoft.com/office/drawing/2014/main" id="{392E91A3-E506-5E4B-AE10-D91597C894AA}"/>
+                <a16:creationId xmlns:a16="http://schemas.microsoft.com/office/drawing/2014/main" id="{848F5629-0A6D-F6E0-4FB1-F9BB135A4778}"/>
               </a:ext>
             </a:extLst>
           </p:cNvPr>
@@ -2661,7 +2661,7 @@
           <a:bodyPr/>
           <a:lstStyle/>
           <a:p>
-            <a:fld id="{507879A7-4914-4231-902C-32557AA8EB88}" type="datetimeFigureOut">
+            <a:fld id="{DF62AF8B-C606-4CF7-8E15-096442C1F211}" type="datetimeFigureOut">
               <a:rPr lang="zh-CN" altLang="en-US" smtClean="0"/>
               <a:t>2024/3/10</a:t>
             </a:fld>
@@ -2674,7 +2674,7 @@
           <p:cNvPr id="6" name="页脚占位符 5">
             <a:extLst>
               <a:ext uri="{FF2B5EF4-FFF2-40B4-BE49-F238E27FC236}">
-                <a16:creationId xmlns:a16="http://schemas.microsoft.com/office/drawing/2014/main" id="{83F731BE-FC37-9567-E398-7C1AF0FA64B6}"/>
+                <a16:creationId xmlns:a16="http://schemas.microsoft.com/office/drawing/2014/main" id="{4CDD486D-5059-4591-8C75-F94242276C94}"/>
               </a:ext>
             </a:extLst>
           </p:cNvPr>
@@ -2699,7 +2699,7 @@
           <p:cNvPr id="7" name="灯片编号占位符 6">
             <a:extLst>
               <a:ext uri="{FF2B5EF4-FFF2-40B4-BE49-F238E27FC236}">
-                <a16:creationId xmlns:a16="http://schemas.microsoft.com/office/drawing/2014/main" id="{3065C3FF-90D2-DAE0-25B5-A4DA27D2EC36}"/>
+                <a16:creationId xmlns:a16="http://schemas.microsoft.com/office/drawing/2014/main" id="{F132AAC0-03CE-4E09-0948-744EFC21B412}"/>
               </a:ext>
             </a:extLst>
           </p:cNvPr>
@@ -2715,7 +2715,7 @@
           <a:bodyPr/>
           <a:lstStyle/>
           <a:p>
-            <a:fld id="{05CEC759-C9C7-4FD3-81BA-F395CA417A75}" type="slidenum">
+            <a:fld id="{F498EFBF-E617-46B4-831B-2F1C27CF5292}" type="slidenum">
               <a:rPr lang="zh-CN" altLang="en-US" smtClean="0"/>
               <a:t>‹#›</a:t>
             </a:fld>
@@ -2726,7 +2726,7 @@
     </p:spTree>
     <p:extLst>
       <p:ext uri="{BB962C8B-B14F-4D97-AF65-F5344CB8AC3E}">
-        <p14:creationId xmlns:p14="http://schemas.microsoft.com/office/powerpoint/2010/main" val="2653721217"/>
+        <p14:creationId xmlns:p14="http://schemas.microsoft.com/office/powerpoint/2010/main" val="52916680"/>
       </p:ext>
     </p:extLst>
   </p:cSld>
@@ -2763,7 +2763,7 @@
           <p:cNvPr id="2" name="标题占位符 1">
             <a:extLst>
               <a:ext uri="{FF2B5EF4-FFF2-40B4-BE49-F238E27FC236}">
-                <a16:creationId xmlns:a16="http://schemas.microsoft.com/office/drawing/2014/main" id="{7CD13E36-0A27-4BCD-EC37-AC476BE180E8}"/>
+                <a16:creationId xmlns:a16="http://schemas.microsoft.com/office/drawing/2014/main" id="{7E7717EF-23B4-24A6-280E-D4A7878965CE}"/>
               </a:ext>
             </a:extLst>
           </p:cNvPr>
@@ -2801,7 +2801,7 @@
           <p:cNvPr id="3" name="文本占位符 2">
             <a:extLst>
               <a:ext uri="{FF2B5EF4-FFF2-40B4-BE49-F238E27FC236}">
-                <a16:creationId xmlns:a16="http://schemas.microsoft.com/office/drawing/2014/main" id="{E9DC92C5-2A3A-A992-76BA-37ED83D23271}"/>
+                <a16:creationId xmlns:a16="http://schemas.microsoft.com/office/drawing/2014/main" id="{E4998A21-C681-8861-71C7-C33A8D854B6B}"/>
               </a:ext>
             </a:extLst>
           </p:cNvPr>
@@ -2868,7 +2868,7 @@
           <p:cNvPr id="4" name="日期占位符 3">
             <a:extLst>
               <a:ext uri="{FF2B5EF4-FFF2-40B4-BE49-F238E27FC236}">
-                <a16:creationId xmlns:a16="http://schemas.microsoft.com/office/drawing/2014/main" id="{7F78ECA1-E7E2-63C8-443B-EC8E613586C0}"/>
+                <a16:creationId xmlns:a16="http://schemas.microsoft.com/office/drawing/2014/main" id="{982BAE75-323B-A80E-24E5-CD0FD314B3B0}"/>
               </a:ext>
             </a:extLst>
           </p:cNvPr>
@@ -2902,7 +2902,7 @@
             </a:lvl1pPr>
           </a:lstStyle>
           <a:p>
-            <a:fld id="{507879A7-4914-4231-902C-32557AA8EB88}" type="datetimeFigureOut">
+            <a:fld id="{DF62AF8B-C606-4CF7-8E15-096442C1F211}" type="datetimeFigureOut">
               <a:rPr lang="zh-CN" altLang="en-US" smtClean="0"/>
               <a:t>2024/3/10</a:t>
             </a:fld>
@@ -2915,7 +2915,7 @@
           <p:cNvPr id="5" name="页脚占位符 4">
             <a:extLst>
               <a:ext uri="{FF2B5EF4-FFF2-40B4-BE49-F238E27FC236}">
-                <a16:creationId xmlns:a16="http://schemas.microsoft.com/office/drawing/2014/main" id="{7019A481-6C8A-CFD0-4D64-B3A7A633CA9E}"/>
+                <a16:creationId xmlns:a16="http://schemas.microsoft.com/office/drawing/2014/main" id="{61D6209F-0C92-65AF-53FB-57AC14AEF9F1}"/>
               </a:ext>
             </a:extLst>
           </p:cNvPr>
@@ -2958,7 +2958,7 @@
           <p:cNvPr id="6" name="灯片编号占位符 5">
             <a:extLst>
               <a:ext uri="{FF2B5EF4-FFF2-40B4-BE49-F238E27FC236}">
-                <a16:creationId xmlns:a16="http://schemas.microsoft.com/office/drawing/2014/main" id="{C895A210-F94F-6426-E0F8-E69CC7B136FE}"/>
+                <a16:creationId xmlns:a16="http://schemas.microsoft.com/office/drawing/2014/main" id="{C53DA2D7-E51E-B11C-7C8E-231546D320A6}"/>
               </a:ext>
             </a:extLst>
           </p:cNvPr>
@@ -2992,7 +2992,7 @@
             </a:lvl1pPr>
           </a:lstStyle>
           <a:p>
-            <a:fld id="{05CEC759-C9C7-4FD3-81BA-F395CA417A75}" type="slidenum">
+            <a:fld id="{F498EFBF-E617-46B4-831B-2F1C27CF5292}" type="slidenum">
               <a:rPr lang="zh-CN" altLang="en-US" smtClean="0"/>
               <a:t>‹#›</a:t>
             </a:fld>
@@ -3003,7 +3003,7 @@
     </p:spTree>
     <p:extLst>
       <p:ext uri="{BB962C8B-B14F-4D97-AF65-F5344CB8AC3E}">
-        <p14:creationId xmlns:p14="http://schemas.microsoft.com/office/powerpoint/2010/main" val="3484887448"/>
+        <p14:creationId xmlns:p14="http://schemas.microsoft.com/office/powerpoint/2010/main" val="999811486"/>
       </p:ext>
     </p:extLst>
   </p:cSld>
